--- a/AI-Project.pptx
+++ b/AI-Project.pptx
@@ -11,6 +11,8 @@
     <p:sldId id="259" r:id="rId5"/>
     <p:sldId id="260" r:id="rId6"/>
     <p:sldId id="261" r:id="rId7"/>
+    <p:sldId id="262" r:id="rId8"/>
+    <p:sldId id="263" r:id="rId9"/>
   </p:sldIdLst>
   <p:sldSz cx="12192000" cy="6858000"/>
   <p:notesSz cx="6858000" cy="9144000"/>
@@ -308,7 +310,7 @@
           <a:p>
             <a:fld id="{3336CFC3-F24F-4F13-887B-25DA93A8B598}" type="datetimeFigureOut">
               <a:rPr lang="en-IN" smtClean="0"/>
-              <a:t>30-04-2023</a:t>
+              <a:t>01-05-2023</a:t>
             </a:fld>
             <a:endParaRPr lang="en-IN"/>
           </a:p>
@@ -744,7 +746,7 @@
           <a:p>
             <a:fld id="{3336CFC3-F24F-4F13-887B-25DA93A8B598}" type="datetimeFigureOut">
               <a:rPr lang="en-IN" smtClean="0"/>
-              <a:t>30-04-2023</a:t>
+              <a:t>01-05-2023</a:t>
             </a:fld>
             <a:endParaRPr lang="en-IN"/>
           </a:p>
@@ -994,7 +996,7 @@
           <a:p>
             <a:fld id="{3336CFC3-F24F-4F13-887B-25DA93A8B598}" type="datetimeFigureOut">
               <a:rPr lang="en-IN" smtClean="0"/>
-              <a:t>30-04-2023</a:t>
+              <a:t>01-05-2023</a:t>
             </a:fld>
             <a:endParaRPr lang="en-IN"/>
           </a:p>
@@ -1302,7 +1304,7 @@
           <a:p>
             <a:fld id="{3336CFC3-F24F-4F13-887B-25DA93A8B598}" type="datetimeFigureOut">
               <a:rPr lang="en-IN" smtClean="0"/>
-              <a:t>30-04-2023</a:t>
+              <a:t>01-05-2023</a:t>
             </a:fld>
             <a:endParaRPr lang="en-IN"/>
           </a:p>
@@ -1620,7 +1622,7 @@
           <a:p>
             <a:fld id="{3336CFC3-F24F-4F13-887B-25DA93A8B598}" type="datetimeFigureOut">
               <a:rPr lang="en-IN" smtClean="0"/>
-              <a:t>30-04-2023</a:t>
+              <a:t>01-05-2023</a:t>
             </a:fld>
             <a:endParaRPr lang="en-IN"/>
           </a:p>
@@ -1922,7 +1924,7 @@
           <a:p>
             <a:fld id="{3336CFC3-F24F-4F13-887B-25DA93A8B598}" type="datetimeFigureOut">
               <a:rPr lang="en-IN" smtClean="0"/>
-              <a:t>30-04-2023</a:t>
+              <a:t>01-05-2023</a:t>
             </a:fld>
             <a:endParaRPr lang="en-IN"/>
           </a:p>
@@ -2289,7 +2291,7 @@
           <a:p>
             <a:fld id="{3336CFC3-F24F-4F13-887B-25DA93A8B598}" type="datetimeFigureOut">
               <a:rPr lang="en-IN" smtClean="0"/>
-              <a:t>30-04-2023</a:t>
+              <a:t>01-05-2023</a:t>
             </a:fld>
             <a:endParaRPr lang="en-IN"/>
           </a:p>
@@ -2463,7 +2465,7 @@
           <a:p>
             <a:fld id="{3336CFC3-F24F-4F13-887B-25DA93A8B598}" type="datetimeFigureOut">
               <a:rPr lang="en-IN" smtClean="0"/>
-              <a:t>30-04-2023</a:t>
+              <a:t>01-05-2023</a:t>
             </a:fld>
             <a:endParaRPr lang="en-IN"/>
           </a:p>
@@ -2643,7 +2645,7 @@
           <a:p>
             <a:fld id="{3336CFC3-F24F-4F13-887B-25DA93A8B598}" type="datetimeFigureOut">
               <a:rPr lang="en-IN" smtClean="0"/>
-              <a:t>30-04-2023</a:t>
+              <a:t>01-05-2023</a:t>
             </a:fld>
             <a:endParaRPr lang="en-IN"/>
           </a:p>
@@ -2813,7 +2815,7 @@
           <a:p>
             <a:fld id="{3336CFC3-F24F-4F13-887B-25DA93A8B598}" type="datetimeFigureOut">
               <a:rPr lang="en-IN" smtClean="0"/>
-              <a:t>30-04-2023</a:t>
+              <a:t>01-05-2023</a:t>
             </a:fld>
             <a:endParaRPr lang="en-IN"/>
           </a:p>
@@ -3063,7 +3065,7 @@
           <a:p>
             <a:fld id="{3336CFC3-F24F-4F13-887B-25DA93A8B598}" type="datetimeFigureOut">
               <a:rPr lang="en-IN" smtClean="0"/>
-              <a:t>30-04-2023</a:t>
+              <a:t>01-05-2023</a:t>
             </a:fld>
             <a:endParaRPr lang="en-IN"/>
           </a:p>
@@ -3299,7 +3301,7 @@
           <a:p>
             <a:fld id="{3336CFC3-F24F-4F13-887B-25DA93A8B598}" type="datetimeFigureOut">
               <a:rPr lang="en-IN" smtClean="0"/>
-              <a:t>30-04-2023</a:t>
+              <a:t>01-05-2023</a:t>
             </a:fld>
             <a:endParaRPr lang="en-IN"/>
           </a:p>
@@ -3681,7 +3683,7 @@
           <a:p>
             <a:fld id="{3336CFC3-F24F-4F13-887B-25DA93A8B598}" type="datetimeFigureOut">
               <a:rPr lang="en-IN" smtClean="0"/>
-              <a:t>30-04-2023</a:t>
+              <a:t>01-05-2023</a:t>
             </a:fld>
             <a:endParaRPr lang="en-IN"/>
           </a:p>
@@ -3799,7 +3801,7 @@
           <a:p>
             <a:fld id="{3336CFC3-F24F-4F13-887B-25DA93A8B598}" type="datetimeFigureOut">
               <a:rPr lang="en-IN" smtClean="0"/>
-              <a:t>30-04-2023</a:t>
+              <a:t>01-05-2023</a:t>
             </a:fld>
             <a:endParaRPr lang="en-IN"/>
           </a:p>
@@ -3894,7 +3896,7 @@
           <a:p>
             <a:fld id="{3336CFC3-F24F-4F13-887B-25DA93A8B598}" type="datetimeFigureOut">
               <a:rPr lang="en-IN" smtClean="0"/>
-              <a:t>30-04-2023</a:t>
+              <a:t>01-05-2023</a:t>
             </a:fld>
             <a:endParaRPr lang="en-IN"/>
           </a:p>
@@ -4149,7 +4151,7 @@
           <a:p>
             <a:fld id="{3336CFC3-F24F-4F13-887B-25DA93A8B598}" type="datetimeFigureOut">
               <a:rPr lang="en-IN" smtClean="0"/>
-              <a:t>30-04-2023</a:t>
+              <a:t>01-05-2023</a:t>
             </a:fld>
             <a:endParaRPr lang="en-IN"/>
           </a:p>
@@ -4432,7 +4434,7 @@
           <a:p>
             <a:fld id="{3336CFC3-F24F-4F13-887B-25DA93A8B598}" type="datetimeFigureOut">
               <a:rPr lang="en-IN" smtClean="0"/>
-              <a:t>30-04-2023</a:t>
+              <a:t>01-05-2023</a:t>
             </a:fld>
             <a:endParaRPr lang="en-IN"/>
           </a:p>
@@ -4838,7 +4840,7 @@
           <a:p>
             <a:fld id="{3336CFC3-F24F-4F13-887B-25DA93A8B598}" type="datetimeFigureOut">
               <a:rPr lang="en-IN" smtClean="0"/>
-              <a:t>30-04-2023</a:t>
+              <a:t>01-05-2023</a:t>
             </a:fld>
             <a:endParaRPr lang="en-IN"/>
           </a:p>
@@ -5906,7 +5908,7 @@
           <a:lstStyle/>
           <a:p>
             <a:r>
-              <a:rPr lang="en-US" cap="none" dirty="0">
+              <a:rPr lang="en-US" cap="none" dirty="0" smtClean="0">
                 <a:ln w="0"/>
                 <a:solidFill>
                   <a:schemeClr val="accent1"/>
@@ -5920,68 +5922,6 @@
                 </a:effectLst>
               </a:rPr>
               <a:t>Their are two types for sentence matching in natural language processing</a:t>
-            </a:r>
-            <a:br>
-              <a:rPr lang="en-US" cap="none" dirty="0">
-                <a:ln w="0"/>
-                <a:solidFill>
-                  <a:schemeClr val="accent1"/>
-                </a:solidFill>
-                <a:effectLst>
-                  <a:outerShdw blurRad="38100" dist="25400" dir="5400000" algn="ctr" rotWithShape="0">
-                    <a:srgbClr val="6E747A">
-                      <a:alpha val="43000"/>
-                    </a:srgbClr>
-                  </a:outerShdw>
-                </a:effectLst>
-              </a:rPr>
-            </a:br>
-            <a:r>
-              <a:rPr lang="en-US" cap="none" dirty="0">
-                <a:ln w="0"/>
-                <a:solidFill>
-                  <a:schemeClr val="accent1"/>
-                </a:solidFill>
-                <a:effectLst>
-                  <a:outerShdw blurRad="38100" dist="25400" dir="5400000" algn="ctr" rotWithShape="0">
-                    <a:srgbClr val="6E747A">
-                      <a:alpha val="43000"/>
-                    </a:srgbClr>
-                  </a:outerShdw>
-                </a:effectLst>
-              </a:rPr>
-              <a:t>1)Lexical</a:t>
-            </a:r>
-            <a:br>
-              <a:rPr lang="en-US" cap="none" dirty="0">
-                <a:ln w="0"/>
-                <a:solidFill>
-                  <a:schemeClr val="accent1"/>
-                </a:solidFill>
-                <a:effectLst>
-                  <a:outerShdw blurRad="38100" dist="25400" dir="5400000" algn="ctr" rotWithShape="0">
-                    <a:srgbClr val="6E747A">
-                      <a:alpha val="43000"/>
-                    </a:srgbClr>
-                  </a:outerShdw>
-                </a:effectLst>
-              </a:rPr>
-            </a:br>
-            <a:r>
-              <a:rPr lang="en-US" cap="none" dirty="0" smtClean="0">
-                <a:ln w="0"/>
-                <a:solidFill>
-                  <a:schemeClr val="accent1"/>
-                </a:solidFill>
-                <a:effectLst>
-                  <a:outerShdw blurRad="38100" dist="25400" dir="5400000" algn="ctr" rotWithShape="0">
-                    <a:srgbClr val="6E747A">
-                      <a:alpha val="43000"/>
-                    </a:srgbClr>
-                  </a:outerShdw>
-                </a:effectLst>
-              </a:rPr>
-              <a:t>2)Semantic</a:t>
             </a:r>
             <a:br>
               <a:rPr lang="en-US" cap="none" dirty="0" smtClean="0">
@@ -5999,7 +5939,69 @@
               </a:rPr>
             </a:br>
             <a:r>
-              <a:rPr lang="en-US" cap="none" dirty="0">
+              <a:rPr lang="en-US" cap="none" dirty="0" smtClean="0">
+                <a:ln w="0"/>
+                <a:solidFill>
+                  <a:schemeClr val="accent1"/>
+                </a:solidFill>
+                <a:effectLst>
+                  <a:outerShdw blurRad="38100" dist="25400" dir="5400000" algn="ctr" rotWithShape="0">
+                    <a:srgbClr val="6E747A">
+                      <a:alpha val="43000"/>
+                    </a:srgbClr>
+                  </a:outerShdw>
+                </a:effectLst>
+              </a:rPr>
+              <a:t>1)Lexical</a:t>
+            </a:r>
+            <a:br>
+              <a:rPr lang="en-US" cap="none" dirty="0" smtClean="0">
+                <a:ln w="0"/>
+                <a:solidFill>
+                  <a:schemeClr val="accent1"/>
+                </a:solidFill>
+                <a:effectLst>
+                  <a:outerShdw blurRad="38100" dist="25400" dir="5400000" algn="ctr" rotWithShape="0">
+                    <a:srgbClr val="6E747A">
+                      <a:alpha val="43000"/>
+                    </a:srgbClr>
+                  </a:outerShdw>
+                </a:effectLst>
+              </a:rPr>
+            </a:br>
+            <a:r>
+              <a:rPr lang="en-US" cap="none" dirty="0" smtClean="0">
+                <a:ln w="0"/>
+                <a:solidFill>
+                  <a:schemeClr val="accent1"/>
+                </a:solidFill>
+                <a:effectLst>
+                  <a:outerShdw blurRad="38100" dist="25400" dir="5400000" algn="ctr" rotWithShape="0">
+                    <a:srgbClr val="6E747A">
+                      <a:alpha val="43000"/>
+                    </a:srgbClr>
+                  </a:outerShdw>
+                </a:effectLst>
+              </a:rPr>
+              <a:t>2)Semantic</a:t>
+            </a:r>
+            <a:br>
+              <a:rPr lang="en-US" cap="none" dirty="0" smtClean="0">
+                <a:ln w="0"/>
+                <a:solidFill>
+                  <a:schemeClr val="accent1"/>
+                </a:solidFill>
+                <a:effectLst>
+                  <a:outerShdw blurRad="38100" dist="25400" dir="5400000" algn="ctr" rotWithShape="0">
+                    <a:srgbClr val="6E747A">
+                      <a:alpha val="43000"/>
+                    </a:srgbClr>
+                  </a:outerShdw>
+                </a:effectLst>
+              </a:rPr>
+            </a:br>
+            <a:r>
+              <a:rPr lang="en-US" cap="none" dirty="0" smtClean="0">
                 <a:ln w="0"/>
                 <a:solidFill>
                   <a:schemeClr val="accent1"/>
@@ -6015,7 +6017,7 @@
               <a:t/>
             </a:r>
             <a:br>
-              <a:rPr lang="en-US" cap="none" dirty="0">
+              <a:rPr lang="en-US" cap="none" dirty="0" smtClean="0">
                 <a:ln w="0"/>
                 <a:solidFill>
                   <a:schemeClr val="accent1"/>
@@ -6030,7 +6032,7 @@
               </a:rPr>
             </a:br>
             <a:r>
-              <a:rPr lang="en-US" cap="none" dirty="0">
+              <a:rPr lang="en-US" cap="none" dirty="0" smtClean="0">
                 <a:ln w="0"/>
                 <a:effectLst>
                   <a:outerShdw blurRad="38100" dist="19050" dir="2700000" algn="tl" rotWithShape="0">
@@ -6043,7 +6045,7 @@
               <a:t>in </a:t>
             </a:r>
             <a:r>
-              <a:rPr lang="en-US" cap="none" dirty="0" err="1">
+              <a:rPr lang="en-US" cap="none" dirty="0" err="1" smtClean="0">
                 <a:ln w="0"/>
                 <a:effectLst>
                   <a:outerShdw blurRad="38100" dist="19050" dir="2700000" algn="tl" rotWithShape="0">
@@ -6056,7 +6058,7 @@
               <a:t>laxical</a:t>
             </a:r>
             <a:r>
-              <a:rPr lang="en-US" cap="none" dirty="0">
+              <a:rPr lang="en-US" cap="none" dirty="0" smtClean="0">
                 <a:ln w="0"/>
                 <a:effectLst>
                   <a:outerShdw blurRad="38100" dist="19050" dir="2700000" algn="tl" rotWithShape="0">
@@ -6069,7 +6071,7 @@
               <a:t> it will match words with word to word matching</a:t>
             </a:r>
             <a:br>
-              <a:rPr lang="en-US" cap="none" dirty="0">
+              <a:rPr lang="en-US" cap="none" dirty="0" smtClean="0">
                 <a:ln w="0"/>
                 <a:effectLst>
                   <a:outerShdw blurRad="38100" dist="19050" dir="2700000" algn="tl" rotWithShape="0">
@@ -6081,7 +6083,7 @@
               </a:rPr>
             </a:br>
             <a:r>
-              <a:rPr lang="en-US" cap="none" dirty="0">
+              <a:rPr lang="en-US" cap="none" dirty="0" smtClean="0">
                 <a:ln w="0"/>
                 <a:effectLst>
                   <a:outerShdw blurRad="38100" dist="19050" dir="2700000" algn="tl" rotWithShape="0">
@@ -6094,11 +6096,11 @@
               <a:t>in semantic it will match words based on their semantic review</a:t>
             </a:r>
             <a:r>
-              <a:rPr lang="en-US" dirty="0"/>
+              <a:rPr lang="en-US" dirty="0" smtClean="0"/>
               <a:t/>
             </a:r>
             <a:br>
-              <a:rPr lang="en-US" dirty="0"/>
+              <a:rPr lang="en-US" dirty="0" smtClean="0"/>
             </a:br>
             <a:endParaRPr lang="en-US" cap="none" dirty="0">
               <a:ln w="0"/>
@@ -7495,6 +7497,713 @@
       </p:par>
     </p:tnLst>
   </p:timing>
+</p:sld>
+</file>
+
+<file path=ppt/slides/slide7.xml><?xml version="1.0" encoding="utf-8"?>
+<p:sld xmlns:a="http://schemas.openxmlformats.org/drawingml/2006/main" xmlns:r="http://schemas.openxmlformats.org/officeDocument/2006/relationships" xmlns:p="http://schemas.openxmlformats.org/presentationml/2006/main">
+  <p:cSld>
+    <p:spTree>
+      <p:nvGrpSpPr>
+        <p:cNvPr id="1" name=""/>
+        <p:cNvGrpSpPr/>
+        <p:nvPr/>
+      </p:nvGrpSpPr>
+      <p:grpSpPr>
+        <a:xfrm>
+          <a:off x="0" y="0"/>
+          <a:ext cx="0" cy="0"/>
+          <a:chOff x="0" y="0"/>
+          <a:chExt cx="0" cy="0"/>
+        </a:xfrm>
+      </p:grpSpPr>
+      <p:sp>
+        <p:nvSpPr>
+          <p:cNvPr id="4" name="Rectangle 3"/>
+          <p:cNvSpPr/>
+          <p:nvPr/>
+        </p:nvSpPr>
+        <p:spPr>
+          <a:xfrm>
+            <a:off x="354484" y="1408631"/>
+            <a:ext cx="10473038" cy="3477875"/>
+          </a:xfrm>
+          <a:prstGeom prst="rect">
+            <a:avLst/>
+          </a:prstGeom>
+          <a:noFill/>
+        </p:spPr>
+        <p:txBody>
+          <a:bodyPr wrap="square" lIns="91440" tIns="45720" rIns="91440" bIns="45720">
+            <a:spAutoFit/>
+          </a:bodyPr>
+          <a:lstStyle/>
+          <a:p>
+            <a:r>
+              <a:rPr lang="en-IN" sz="2000" b="1" dirty="0">
+                <a:ln w="0"/>
+                <a:solidFill>
+                  <a:schemeClr val="accent1"/>
+                </a:solidFill>
+                <a:effectLst>
+                  <a:outerShdw blurRad="38100" dist="25400" dir="5400000" algn="ctr" rotWithShape="0">
+                    <a:srgbClr val="6E747A">
+                      <a:alpha val="43000"/>
+                    </a:srgbClr>
+                  </a:outerShdw>
+                </a:effectLst>
+              </a:rPr>
+              <a:t>Libraries should be installed for this project without deployment:</a:t>
+            </a:r>
+          </a:p>
+          <a:p>
+            <a:r>
+              <a:rPr lang="en-IN" sz="2000" dirty="0">
+                <a:ln w="0"/>
+                <a:solidFill>
+                  <a:schemeClr val="accent1"/>
+                </a:solidFill>
+                <a:effectLst>
+                  <a:outerShdw blurRad="38100" dist="25400" dir="5400000" algn="ctr" rotWithShape="0">
+                    <a:srgbClr val="6E747A">
+                      <a:alpha val="43000"/>
+                    </a:srgbClr>
+                  </a:outerShdw>
+                </a:effectLst>
+              </a:rPr>
+              <a:t>sentence transformers -&gt; uses for models for semantic </a:t>
+            </a:r>
+            <a:r>
+              <a:rPr lang="en-IN" sz="2000" dirty="0" smtClean="0">
+                <a:ln w="0"/>
+                <a:solidFill>
+                  <a:schemeClr val="accent1"/>
+                </a:solidFill>
+                <a:effectLst>
+                  <a:outerShdw blurRad="38100" dist="25400" dir="5400000" algn="ctr" rotWithShape="0">
+                    <a:srgbClr val="6E747A">
+                      <a:alpha val="43000"/>
+                    </a:srgbClr>
+                  </a:outerShdw>
+                </a:effectLst>
+              </a:rPr>
+              <a:t>analysis</a:t>
+            </a:r>
+          </a:p>
+          <a:p>
+            <a:r>
+              <a:rPr lang="en-IN" sz="2000" dirty="0">
+                <a:ln w="0"/>
+                <a:solidFill>
+                  <a:schemeClr val="accent1"/>
+                </a:solidFill>
+                <a:effectLst>
+                  <a:outerShdw blurRad="38100" dist="25400" dir="5400000" algn="ctr" rotWithShape="0">
+                    <a:srgbClr val="6E747A">
+                      <a:alpha val="43000"/>
+                    </a:srgbClr>
+                  </a:outerShdw>
+                </a:effectLst>
+              </a:rPr>
+              <a:t>	</a:t>
+            </a:r>
+            <a:r>
+              <a:rPr lang="en-IN" sz="2000" dirty="0" smtClean="0">
+                <a:ln w="0"/>
+                <a:solidFill>
+                  <a:schemeClr val="accent1"/>
+                </a:solidFill>
+                <a:effectLst>
+                  <a:outerShdw blurRad="38100" dist="25400" dir="5400000" algn="ctr" rotWithShape="0">
+                    <a:srgbClr val="6E747A">
+                      <a:alpha val="43000"/>
+                    </a:srgbClr>
+                  </a:outerShdw>
+                </a:effectLst>
+              </a:rPr>
+              <a:t>(</a:t>
+            </a:r>
+            <a:r>
+              <a:rPr lang="en-IN" sz="2000" dirty="0">
+                <a:ln w="0"/>
+                <a:solidFill>
+                  <a:schemeClr val="accent1"/>
+                </a:solidFill>
+                <a:effectLst>
+                  <a:outerShdw blurRad="38100" dist="25400" dir="5400000" algn="ctr" rotWithShape="0">
+                    <a:srgbClr val="6E747A">
+                      <a:alpha val="43000"/>
+                    </a:srgbClr>
+                  </a:outerShdw>
+                </a:effectLst>
+              </a:rPr>
+              <a:t>here </a:t>
+            </a:r>
+            <a:r>
+              <a:rPr lang="en-IN" sz="2000" dirty="0" err="1">
+                <a:ln w="0"/>
+                <a:solidFill>
+                  <a:schemeClr val="accent1"/>
+                </a:solidFill>
+                <a:effectLst>
+                  <a:outerShdw blurRad="38100" dist="25400" dir="5400000" algn="ctr" rotWithShape="0">
+                    <a:srgbClr val="6E747A">
+                      <a:alpha val="43000"/>
+                    </a:srgbClr>
+                  </a:outerShdw>
+                </a:effectLst>
+              </a:rPr>
+              <a:t>i</a:t>
+            </a:r>
+            <a:r>
+              <a:rPr lang="en-IN" sz="2000" dirty="0">
+                <a:ln w="0"/>
+                <a:solidFill>
+                  <a:schemeClr val="accent1"/>
+                </a:solidFill>
+                <a:effectLst>
+                  <a:outerShdw blurRad="38100" dist="25400" dir="5400000" algn="ctr" rotWithShape="0">
+                    <a:srgbClr val="6E747A">
+                      <a:alpha val="43000"/>
+                    </a:srgbClr>
+                  </a:outerShdw>
+                </a:effectLst>
+              </a:rPr>
+              <a:t> have used multi-qa-MiniLM-L6-cos-v1' model</a:t>
+            </a:r>
+            <a:r>
+              <a:rPr lang="en-IN" sz="2000" dirty="0" smtClean="0">
+                <a:ln w="0"/>
+                <a:solidFill>
+                  <a:schemeClr val="accent1"/>
+                </a:solidFill>
+                <a:effectLst>
+                  <a:outerShdw blurRad="38100" dist="25400" dir="5400000" algn="ctr" rotWithShape="0">
+                    <a:srgbClr val="6E747A">
+                      <a:alpha val="43000"/>
+                    </a:srgbClr>
+                  </a:outerShdw>
+                </a:effectLst>
+              </a:rPr>
+              <a:t>),</a:t>
+            </a:r>
+          </a:p>
+          <a:p>
+            <a:r>
+              <a:rPr lang="en-IN" sz="2000" dirty="0" smtClean="0">
+                <a:ln w="0"/>
+                <a:solidFill>
+                  <a:schemeClr val="accent1"/>
+                </a:solidFill>
+                <a:effectLst>
+                  <a:outerShdw blurRad="38100" dist="25400" dir="5400000" algn="ctr" rotWithShape="0">
+                    <a:srgbClr val="6E747A">
+                      <a:alpha val="43000"/>
+                    </a:srgbClr>
+                  </a:outerShdw>
+                </a:effectLst>
+              </a:rPr>
+              <a:t>flask </a:t>
+            </a:r>
+            <a:r>
+              <a:rPr lang="en-IN" sz="2000" dirty="0">
+                <a:ln w="0"/>
+                <a:solidFill>
+                  <a:schemeClr val="accent1"/>
+                </a:solidFill>
+                <a:effectLst>
+                  <a:outerShdw blurRad="38100" dist="25400" dir="5400000" algn="ctr" rotWithShape="0">
+                    <a:srgbClr val="6E747A">
+                      <a:alpha val="43000"/>
+                    </a:srgbClr>
+                  </a:outerShdw>
+                </a:effectLst>
+              </a:rPr>
+              <a:t>-&gt; uses for website api with python, </a:t>
+            </a:r>
+            <a:endParaRPr lang="en-IN" sz="2000" dirty="0" smtClean="0">
+              <a:ln w="0"/>
+              <a:solidFill>
+                <a:schemeClr val="accent1"/>
+              </a:solidFill>
+              <a:effectLst>
+                <a:outerShdw blurRad="38100" dist="25400" dir="5400000" algn="ctr" rotWithShape="0">
+                  <a:srgbClr val="6E747A">
+                    <a:alpha val="43000"/>
+                  </a:srgbClr>
+                </a:outerShdw>
+              </a:effectLst>
+            </a:endParaRPr>
+          </a:p>
+          <a:p>
+            <a:r>
+              <a:rPr lang="en-IN" sz="2000" dirty="0" smtClean="0">
+                <a:ln w="0"/>
+                <a:solidFill>
+                  <a:schemeClr val="accent1"/>
+                </a:solidFill>
+                <a:effectLst>
+                  <a:outerShdw blurRad="38100" dist="25400" dir="5400000" algn="ctr" rotWithShape="0">
+                    <a:srgbClr val="6E747A">
+                      <a:alpha val="43000"/>
+                    </a:srgbClr>
+                  </a:outerShdw>
+                </a:effectLst>
+              </a:rPr>
+              <a:t>pickle </a:t>
+            </a:r>
+            <a:r>
+              <a:rPr lang="en-IN" sz="2000" dirty="0">
+                <a:ln w="0"/>
+                <a:solidFill>
+                  <a:schemeClr val="accent1"/>
+                </a:solidFill>
+                <a:effectLst>
+                  <a:outerShdw blurRad="38100" dist="25400" dir="5400000" algn="ctr" rotWithShape="0">
+                    <a:srgbClr val="6E747A">
+                      <a:alpha val="43000"/>
+                    </a:srgbClr>
+                  </a:outerShdw>
+                </a:effectLst>
+              </a:rPr>
+              <a:t>-&gt; </a:t>
+            </a:r>
+            <a:r>
+              <a:rPr lang="en-IN" sz="2000" dirty="0" smtClean="0">
+                <a:ln w="0"/>
+                <a:solidFill>
+                  <a:schemeClr val="accent1"/>
+                </a:solidFill>
+                <a:effectLst>
+                  <a:outerShdw blurRad="38100" dist="25400" dir="5400000" algn="ctr" rotWithShape="0">
+                    <a:srgbClr val="6E747A">
+                      <a:alpha val="43000"/>
+                    </a:srgbClr>
+                  </a:outerShdw>
+                </a:effectLst>
+              </a:rPr>
+              <a:t>uses </a:t>
+            </a:r>
+            <a:r>
+              <a:rPr lang="en-IN" sz="2000" dirty="0">
+                <a:ln w="0"/>
+                <a:solidFill>
+                  <a:schemeClr val="accent1"/>
+                </a:solidFill>
+                <a:effectLst>
+                  <a:outerShdw blurRad="38100" dist="25400" dir="5400000" algn="ctr" rotWithShape="0">
+                    <a:srgbClr val="6E747A">
+                      <a:alpha val="43000"/>
+                    </a:srgbClr>
+                  </a:outerShdw>
+                </a:effectLst>
+              </a:rPr>
+              <a:t>for serialize and deserialize python object or store trained model data in that, </a:t>
+            </a:r>
+            <a:endParaRPr lang="en-IN" sz="2000" dirty="0" smtClean="0">
+              <a:ln w="0"/>
+              <a:solidFill>
+                <a:schemeClr val="accent1"/>
+              </a:solidFill>
+              <a:effectLst>
+                <a:outerShdw blurRad="38100" dist="25400" dir="5400000" algn="ctr" rotWithShape="0">
+                  <a:srgbClr val="6E747A">
+                    <a:alpha val="43000"/>
+                  </a:srgbClr>
+                </a:outerShdw>
+              </a:effectLst>
+            </a:endParaRPr>
+          </a:p>
+          <a:p>
+            <a:r>
+              <a:rPr lang="en-IN" sz="2000" dirty="0" smtClean="0">
+                <a:ln w="0"/>
+                <a:solidFill>
+                  <a:schemeClr val="accent1"/>
+                </a:solidFill>
+                <a:effectLst>
+                  <a:outerShdw blurRad="38100" dist="25400" dir="5400000" algn="ctr" rotWithShape="0">
+                    <a:srgbClr val="6E747A">
+                      <a:alpha val="43000"/>
+                    </a:srgbClr>
+                  </a:outerShdw>
+                </a:effectLst>
+              </a:rPr>
+              <a:t>numpy </a:t>
+            </a:r>
+            <a:r>
+              <a:rPr lang="en-IN" sz="2000" dirty="0">
+                <a:ln w="0"/>
+                <a:solidFill>
+                  <a:schemeClr val="accent1"/>
+                </a:solidFill>
+                <a:effectLst>
+                  <a:outerShdw blurRad="38100" dist="25400" dir="5400000" algn="ctr" rotWithShape="0">
+                    <a:srgbClr val="6E747A">
+                      <a:alpha val="43000"/>
+                    </a:srgbClr>
+                  </a:outerShdw>
+                </a:effectLst>
+              </a:rPr>
+              <a:t>-&gt; used for scientific computing and data analysis, </a:t>
+            </a:r>
+            <a:endParaRPr lang="en-IN" sz="2000" dirty="0" smtClean="0">
+              <a:ln w="0"/>
+              <a:solidFill>
+                <a:schemeClr val="accent1"/>
+              </a:solidFill>
+              <a:effectLst>
+                <a:outerShdw blurRad="38100" dist="25400" dir="5400000" algn="ctr" rotWithShape="0">
+                  <a:srgbClr val="6E747A">
+                    <a:alpha val="43000"/>
+                  </a:srgbClr>
+                </a:outerShdw>
+              </a:effectLst>
+            </a:endParaRPr>
+          </a:p>
+          <a:p>
+            <a:r>
+              <a:rPr lang="en-IN" sz="2000" dirty="0" smtClean="0">
+                <a:ln w="0"/>
+                <a:solidFill>
+                  <a:schemeClr val="accent1"/>
+                </a:solidFill>
+                <a:effectLst>
+                  <a:outerShdw blurRad="38100" dist="25400" dir="5400000" algn="ctr" rotWithShape="0">
+                    <a:srgbClr val="6E747A">
+                      <a:alpha val="43000"/>
+                    </a:srgbClr>
+                  </a:outerShdw>
+                </a:effectLst>
+              </a:rPr>
+              <a:t>pymongo </a:t>
+            </a:r>
+            <a:r>
+              <a:rPr lang="en-IN" sz="2000" dirty="0">
+                <a:ln w="0"/>
+                <a:solidFill>
+                  <a:schemeClr val="accent1"/>
+                </a:solidFill>
+                <a:effectLst>
+                  <a:outerShdw blurRad="38100" dist="25400" dir="5400000" algn="ctr" rotWithShape="0">
+                    <a:srgbClr val="6E747A">
+                      <a:alpha val="43000"/>
+                    </a:srgbClr>
+                  </a:outerShdw>
+                </a:effectLst>
+              </a:rPr>
+              <a:t>-&gt; for mongo database connection, </a:t>
+            </a:r>
+            <a:endParaRPr lang="en-IN" sz="2000" dirty="0" smtClean="0">
+              <a:ln w="0"/>
+              <a:solidFill>
+                <a:schemeClr val="accent1"/>
+              </a:solidFill>
+              <a:effectLst>
+                <a:outerShdw blurRad="38100" dist="25400" dir="5400000" algn="ctr" rotWithShape="0">
+                  <a:srgbClr val="6E747A">
+                    <a:alpha val="43000"/>
+                  </a:srgbClr>
+                </a:outerShdw>
+              </a:effectLst>
+            </a:endParaRPr>
+          </a:p>
+          <a:p>
+            <a:r>
+              <a:rPr lang="en-IN" sz="2000" dirty="0" smtClean="0">
+                <a:ln w="0"/>
+                <a:solidFill>
+                  <a:schemeClr val="accent1"/>
+                </a:solidFill>
+                <a:effectLst>
+                  <a:outerShdw blurRad="38100" dist="25400" dir="5400000" algn="ctr" rotWithShape="0">
+                    <a:srgbClr val="6E747A">
+                      <a:alpha val="43000"/>
+                    </a:srgbClr>
+                  </a:outerShdw>
+                </a:effectLst>
+              </a:rPr>
+              <a:t>pandas </a:t>
+            </a:r>
+            <a:r>
+              <a:rPr lang="en-IN" sz="2000" dirty="0">
+                <a:ln w="0"/>
+                <a:solidFill>
+                  <a:schemeClr val="accent1"/>
+                </a:solidFill>
+                <a:effectLst>
+                  <a:outerShdw blurRad="38100" dist="25400" dir="5400000" algn="ctr" rotWithShape="0">
+                    <a:srgbClr val="6E747A">
+                      <a:alpha val="43000"/>
+                    </a:srgbClr>
+                  </a:outerShdw>
+                </a:effectLst>
+              </a:rPr>
+              <a:t>-&gt; for data manipulation and analysis,</a:t>
+            </a:r>
+          </a:p>
+          <a:p>
+            <a:r>
+              <a:rPr lang="en-IN" sz="2000" dirty="0">
+                <a:ln w="0"/>
+                <a:solidFill>
+                  <a:schemeClr val="accent1"/>
+                </a:solidFill>
+                <a:effectLst>
+                  <a:outerShdw blurRad="38100" dist="25400" dir="5400000" algn="ctr" rotWithShape="0">
+                    <a:srgbClr val="6E747A">
+                      <a:alpha val="43000"/>
+                    </a:srgbClr>
+                  </a:outerShdw>
+                </a:effectLst>
+              </a:rPr>
+              <a:t/>
+            </a:r>
+            <a:br>
+              <a:rPr lang="en-IN" sz="2000" dirty="0">
+                <a:ln w="0"/>
+                <a:solidFill>
+                  <a:schemeClr val="accent1"/>
+                </a:solidFill>
+                <a:effectLst>
+                  <a:outerShdw blurRad="38100" dist="25400" dir="5400000" algn="ctr" rotWithShape="0">
+                    <a:srgbClr val="6E747A">
+                      <a:alpha val="43000"/>
+                    </a:srgbClr>
+                  </a:outerShdw>
+                </a:effectLst>
+              </a:rPr>
+            </a:br>
+            <a:endParaRPr lang="en-US" sz="2000" dirty="0">
+              <a:ln w="0"/>
+              <a:solidFill>
+                <a:schemeClr val="accent1"/>
+              </a:solidFill>
+              <a:effectLst>
+                <a:outerShdw blurRad="38100" dist="25400" dir="5400000" algn="ctr" rotWithShape="0">
+                  <a:srgbClr val="6E747A">
+                    <a:alpha val="43000"/>
+                  </a:srgbClr>
+                </a:outerShdw>
+              </a:effectLst>
+            </a:endParaRPr>
+          </a:p>
+        </p:txBody>
+      </p:sp>
+    </p:spTree>
+    <p:extLst>
+      <p:ext uri="{BB962C8B-B14F-4D97-AF65-F5344CB8AC3E}">
+        <p14:creationId xmlns:p14="http://schemas.microsoft.com/office/powerpoint/2010/main" val="2484554304"/>
+      </p:ext>
+    </p:extLst>
+  </p:cSld>
+  <p:clrMapOvr>
+    <a:masterClrMapping/>
+  </p:clrMapOvr>
+</p:sld>
+</file>
+
+<file path=ppt/slides/slide8.xml><?xml version="1.0" encoding="utf-8"?>
+<p:sld xmlns:a="http://schemas.openxmlformats.org/drawingml/2006/main" xmlns:r="http://schemas.openxmlformats.org/officeDocument/2006/relationships" xmlns:p="http://schemas.openxmlformats.org/presentationml/2006/main">
+  <p:cSld>
+    <p:spTree>
+      <p:nvGrpSpPr>
+        <p:cNvPr id="1" name=""/>
+        <p:cNvGrpSpPr/>
+        <p:nvPr/>
+      </p:nvGrpSpPr>
+      <p:grpSpPr>
+        <a:xfrm>
+          <a:off x="0" y="0"/>
+          <a:ext cx="0" cy="0"/>
+          <a:chOff x="0" y="0"/>
+          <a:chExt cx="0" cy="0"/>
+        </a:xfrm>
+      </p:grpSpPr>
+      <p:sp>
+        <p:nvSpPr>
+          <p:cNvPr id="2" name="Title 1"/>
+          <p:cNvSpPr>
+            <a:spLocks noGrp="1"/>
+          </p:cNvSpPr>
+          <p:nvPr>
+            <p:ph type="title"/>
+          </p:nvPr>
+        </p:nvSpPr>
+        <p:spPr>
+          <a:xfrm>
+            <a:off x="1590066" y="1342479"/>
+            <a:ext cx="8904170" cy="3494441"/>
+          </a:xfrm>
+        </p:spPr>
+        <p:txBody>
+          <a:bodyPr>
+            <a:noAutofit/>
+          </a:bodyPr>
+          <a:lstStyle/>
+          <a:p>
+            <a:r>
+              <a:rPr lang="en-IN" sz="2000" b="1" dirty="0"/>
+              <a:t>Credits</a:t>
+            </a:r>
+            <a:br>
+              <a:rPr lang="en-IN" sz="2000" b="1" dirty="0"/>
+            </a:br>
+            <a:r>
+              <a:rPr lang="en-IN" sz="2000" cap="none" dirty="0">
+                <a:ln w="0"/>
+                <a:solidFill>
+                  <a:schemeClr val="accent1"/>
+                </a:solidFill>
+                <a:effectLst>
+                  <a:outerShdw blurRad="38100" dist="25400" dir="5400000" algn="ctr" rotWithShape="0">
+                    <a:srgbClr val="6E747A">
+                      <a:alpha val="43000"/>
+                    </a:srgbClr>
+                  </a:outerShdw>
+                </a:effectLst>
+              </a:rPr>
+              <a:t>KeyBERT: </a:t>
+            </a:r>
+            <a:r>
+              <a:rPr lang="en-IN" sz="2000" cap="none" dirty="0">
+                <a:ln w="0"/>
+                <a:solidFill>
+                  <a:schemeClr val="accent1"/>
+                </a:solidFill>
+                <a:effectLst>
+                  <a:outerShdw blurRad="38100" dist="25400" dir="5400000" algn="ctr" rotWithShape="0">
+                    <a:srgbClr val="6E747A">
+                      <a:alpha val="43000"/>
+                    </a:srgbClr>
+                  </a:outerShdw>
+                </a:effectLst>
+                <a:hlinkClick r:id="rId2"/>
+              </a:rPr>
+              <a:t>https://github.com/MaartenGr/KeyBERT</a:t>
+            </a:r>
+            <a:r>
+              <a:rPr lang="en-IN" sz="2000" cap="none" dirty="0">
+                <a:ln w="0"/>
+                <a:solidFill>
+                  <a:schemeClr val="accent1"/>
+                </a:solidFill>
+                <a:effectLst>
+                  <a:outerShdw blurRad="38100" dist="25400" dir="5400000" algn="ctr" rotWithShape="0">
+                    <a:srgbClr val="6E747A">
+                      <a:alpha val="43000"/>
+                    </a:srgbClr>
+                  </a:outerShdw>
+                </a:effectLst>
+              </a:rPr>
+              <a:t> </a:t>
+            </a:r>
+            <a:r>
+              <a:rPr lang="en-IN" sz="2000" cap="none" dirty="0" smtClean="0">
+                <a:ln w="0"/>
+                <a:solidFill>
+                  <a:schemeClr val="accent1"/>
+                </a:solidFill>
+                <a:effectLst>
+                  <a:outerShdw blurRad="38100" dist="25400" dir="5400000" algn="ctr" rotWithShape="0">
+                    <a:srgbClr val="6E747A">
+                      <a:alpha val="43000"/>
+                    </a:srgbClr>
+                  </a:outerShdw>
+                </a:effectLst>
+              </a:rPr>
+              <a:t/>
+            </a:r>
+            <a:br>
+              <a:rPr lang="en-IN" sz="2000" cap="none" dirty="0" smtClean="0">
+                <a:ln w="0"/>
+                <a:solidFill>
+                  <a:schemeClr val="accent1"/>
+                </a:solidFill>
+                <a:effectLst>
+                  <a:outerShdw blurRad="38100" dist="25400" dir="5400000" algn="ctr" rotWithShape="0">
+                    <a:srgbClr val="6E747A">
+                      <a:alpha val="43000"/>
+                    </a:srgbClr>
+                  </a:outerShdw>
+                </a:effectLst>
+              </a:rPr>
+            </a:br>
+            <a:r>
+              <a:rPr lang="en-IN" sz="2000" cap="none" dirty="0" smtClean="0">
+                <a:ln w="0"/>
+                <a:solidFill>
+                  <a:schemeClr val="accent1"/>
+                </a:solidFill>
+                <a:effectLst>
+                  <a:outerShdw blurRad="38100" dist="25400" dir="5400000" algn="ctr" rotWithShape="0">
+                    <a:srgbClr val="6E747A">
+                      <a:alpha val="43000"/>
+                    </a:srgbClr>
+                  </a:outerShdw>
+                </a:effectLst>
+              </a:rPr>
+              <a:t>sentence-transformers</a:t>
+            </a:r>
+            <a:r>
+              <a:rPr lang="en-IN" sz="2000" cap="none" dirty="0">
+                <a:ln w="0"/>
+                <a:solidFill>
+                  <a:schemeClr val="accent1"/>
+                </a:solidFill>
+                <a:effectLst>
+                  <a:outerShdw blurRad="38100" dist="25400" dir="5400000" algn="ctr" rotWithShape="0">
+                    <a:srgbClr val="6E747A">
+                      <a:alpha val="43000"/>
+                    </a:srgbClr>
+                  </a:outerShdw>
+                </a:effectLst>
+              </a:rPr>
+              <a:t>: </a:t>
+            </a:r>
+            <a:r>
+              <a:rPr lang="en-IN" sz="2000" cap="none" dirty="0">
+                <a:ln w="0"/>
+                <a:solidFill>
+                  <a:schemeClr val="accent1"/>
+                </a:solidFill>
+                <a:effectLst>
+                  <a:outerShdw blurRad="38100" dist="25400" dir="5400000" algn="ctr" rotWithShape="0">
+                    <a:srgbClr val="6E747A">
+                      <a:alpha val="43000"/>
+                    </a:srgbClr>
+                  </a:outerShdw>
+                </a:effectLst>
+                <a:hlinkClick r:id="rId3"/>
+              </a:rPr>
+              <a:t>https://github.com/UKPLab/sentence-transformers</a:t>
+            </a:r>
+            <a:endParaRPr lang="en-IN" sz="2000" cap="none" dirty="0">
+              <a:ln w="0"/>
+              <a:solidFill>
+                <a:schemeClr val="accent1"/>
+              </a:solidFill>
+              <a:effectLst>
+                <a:outerShdw blurRad="38100" dist="25400" dir="5400000" algn="ctr" rotWithShape="0">
+                  <a:srgbClr val="6E747A">
+                    <a:alpha val="43000"/>
+                  </a:srgbClr>
+                </a:outerShdw>
+              </a:effectLst>
+            </a:endParaRPr>
+          </a:p>
+        </p:txBody>
+      </p:sp>
+    </p:spTree>
+    <p:extLst>
+      <p:ext uri="{BB962C8B-B14F-4D97-AF65-F5344CB8AC3E}">
+        <p14:creationId xmlns:p14="http://schemas.microsoft.com/office/powerpoint/2010/main" val="1601981736"/>
+      </p:ext>
+    </p:extLst>
+  </p:cSld>
+  <p:clrMapOvr>
+    <a:masterClrMapping/>
+  </p:clrMapOvr>
 </p:sld>
 </file>
 

--- a/AI-Project.pptx
+++ b/AI-Project.pptx
@@ -5637,10 +5637,13 @@
                   </a:innerShdw>
                 </a:effectLst>
               </a:rPr>
-              <a:t>92000133024 - Harsh </a:t>
-            </a:r>
-            <a:r>
-              <a:rPr lang="en-US" sz="2800" b="1" spc="50" dirty="0" err="1" smtClean="0">
+              <a:t>92000133024 - Harsh Jolapara</a:t>
+            </a:r>
+          </a:p>
+          <a:p>
+            <a:pPr algn="ctr"/>
+            <a:r>
+              <a:rPr lang="en-US" sz="2800" b="1" spc="50" dirty="0" smtClean="0">
                 <a:ln w="0"/>
                 <a:solidFill>
                   <a:schemeClr val="bg2"/>
@@ -5653,26 +5656,10 @@
                   </a:innerShdw>
                 </a:effectLst>
               </a:rPr>
-              <a:t>Jolapara</a:t>
-            </a:r>
-            <a:endParaRPr lang="en-US" sz="2800" b="1" spc="50" dirty="0" smtClean="0">
-              <a:ln w="0"/>
-              <a:solidFill>
-                <a:schemeClr val="bg2"/>
-              </a:solidFill>
-              <a:effectLst>
-                <a:innerShdw blurRad="63500" dist="50800" dir="13500000">
-                  <a:srgbClr val="000000">
-                    <a:alpha val="50000"/>
-                  </a:srgbClr>
-                </a:innerShdw>
-              </a:effectLst>
-            </a:endParaRPr>
-          </a:p>
-          <a:p>
-            <a:pPr algn="ctr"/>
-            <a:r>
-              <a:rPr lang="en-US" sz="2800" b="1" spc="50" dirty="0" err="1" smtClean="0">
+              <a:t>B.Tech </a:t>
+            </a:r>
+            <a:r>
+              <a:rPr lang="en-US" sz="2800" b="1" spc="50" smtClean="0">
                 <a:ln w="0"/>
                 <a:solidFill>
                   <a:schemeClr val="bg2"/>
@@ -5685,10 +5672,10 @@
                   </a:innerShdw>
                 </a:effectLst>
               </a:rPr>
-              <a:t>B.Tech</a:t>
-            </a:r>
-            <a:r>
-              <a:rPr lang="en-US" sz="2800" b="1" spc="50" dirty="0" smtClean="0">
+              <a:t>ICT </a:t>
+            </a:r>
+            <a:r>
+              <a:rPr lang="en-US" sz="2800" b="1" spc="50" smtClean="0">
                 <a:ln w="0"/>
                 <a:solidFill>
                   <a:schemeClr val="bg2"/>
@@ -5701,10 +5688,10 @@
                   </a:innerShdw>
                 </a:effectLst>
               </a:rPr>
-              <a:t> ICT Department-</a:t>
-            </a:r>
-            <a:r>
-              <a:rPr lang="en-US" sz="2800" b="1" spc="50" dirty="0" err="1" smtClean="0">
+              <a:t>Department- Sem</a:t>
+            </a:r>
+            <a:r>
+              <a:rPr lang="en-US" sz="2800" b="1" spc="50" dirty="0" smtClean="0">
                 <a:ln w="0"/>
                 <a:solidFill>
                   <a:schemeClr val="bg2"/>
@@ -5717,7 +5704,7 @@
                   </a:innerShdw>
                 </a:effectLst>
               </a:rPr>
-              <a:t>Sem</a:t>
+              <a:t> </a:t>
             </a:r>
             <a:r>
               <a:rPr lang="en-US" sz="2800" b="1" spc="50" dirty="0" smtClean="0">
@@ -5733,7 +5720,7 @@
                   </a:innerShdw>
                 </a:effectLst>
               </a:rPr>
-              <a:t> 6</a:t>
+              <a:t>6</a:t>
             </a:r>
             <a:endParaRPr lang="en-US" sz="2800" b="1" spc="50" dirty="0">
               <a:ln w="0"/>
@@ -6950,8 +6937,8 @@
         </p:nvSpPr>
         <p:spPr>
           <a:xfrm>
-            <a:off x="1587678" y="2047180"/>
-            <a:ext cx="9026199" cy="2308324"/>
+            <a:off x="1604770" y="1619891"/>
+            <a:ext cx="9026199" cy="3046988"/>
           </a:xfrm>
           <a:prstGeom prst="rect">
             <a:avLst/>
@@ -7120,6 +7107,47 @@
                 </a:effectLst>
               </a:rPr>
               <a:t>search</a:t>
+            </a:r>
+          </a:p>
+          <a:p>
+            <a:pPr marL="342900" indent="-342900">
+              <a:buFont typeface="Arial" panose="020B0604020202020204" pitchFamily="34" charset="0"/>
+              <a:buChar char="•"/>
+            </a:pPr>
+            <a:endParaRPr lang="en-US" sz="2400" dirty="0">
+              <a:ln w="0"/>
+              <a:solidFill>
+                <a:schemeClr val="accent1"/>
+              </a:solidFill>
+              <a:effectLst>
+                <a:outerShdw blurRad="38100" dist="25400" dir="5400000" algn="ctr" rotWithShape="0">
+                  <a:srgbClr val="6E747A">
+                    <a:alpha val="43000"/>
+                  </a:srgbClr>
+                </a:outerShdw>
+              </a:effectLst>
+            </a:endParaRPr>
+          </a:p>
+          <a:p>
+            <a:pPr marL="342900" indent="-342900">
+              <a:buFont typeface="Arial" panose="020B0604020202020204" pitchFamily="34" charset="0"/>
+              <a:buChar char="•"/>
+            </a:pPr>
+            <a:r>
+              <a:rPr lang="en-US" sz="2400" dirty="0" smtClean="0">
+                <a:ln w="0"/>
+                <a:solidFill>
+                  <a:schemeClr val="accent1"/>
+                </a:solidFill>
+                <a:effectLst>
+                  <a:outerShdw blurRad="38100" dist="25400" dir="5400000" algn="ctr" rotWithShape="0">
+                    <a:srgbClr val="6E747A">
+                      <a:alpha val="43000"/>
+                    </a:srgbClr>
+                  </a:outerShdw>
+                </a:effectLst>
+              </a:rPr>
+              <a:t>In this project I have used semantic analysis</a:t>
             </a:r>
             <a:endParaRPr lang="en-US" sz="2400" dirty="0">
               <a:ln w="0"/>
